--- a/201908_李宣廷/新员工8月月汇报_李宣廷.pptx
+++ b/201908_李宣廷/新员工8月月汇报_李宣廷.pptx
@@ -8,10 +8,10 @@
     <p:sldMasterId id="2147483676" r:id="rId4"/>
   </p:sldMasterIdLst>
   <p:notesMasterIdLst>
-    <p:notesMasterId r:id="rId13"/>
+    <p:notesMasterId r:id="rId14"/>
   </p:notesMasterIdLst>
   <p:handoutMasterIdLst>
-    <p:handoutMasterId r:id="rId14"/>
+    <p:handoutMasterId r:id="rId15"/>
   </p:handoutMasterIdLst>
   <p:sldIdLst>
     <p:sldId id="493" r:id="rId5"/>
@@ -19,9 +19,10 @@
     <p:sldId id="508" r:id="rId7"/>
     <p:sldId id="512" r:id="rId8"/>
     <p:sldId id="509" r:id="rId9"/>
-    <p:sldId id="510" r:id="rId10"/>
-    <p:sldId id="511" r:id="rId11"/>
-    <p:sldId id="505" r:id="rId12"/>
+    <p:sldId id="513" r:id="rId10"/>
+    <p:sldId id="510" r:id="rId11"/>
+    <p:sldId id="511" r:id="rId12"/>
+    <p:sldId id="505" r:id="rId13"/>
   </p:sldIdLst>
   <p:sldSz cx="9144000" cy="5143500" type="screen16x9"/>
   <p:notesSz cx="7104063" cy="10234613"/>
@@ -122,7 +123,7 @@
   </p:defaultTextStyle>
   <p:extLst>
     <p:ext uri="{EFAFB233-063F-42B5-8137-9DF3F51BA10A}">
-      <p15:sldGuideLst xmlns="" xmlns:p15="http://schemas.microsoft.com/office/powerpoint/2012/main">
+      <p15:sldGuideLst xmlns:p15="http://schemas.microsoft.com/office/powerpoint/2012/main" xmlns="">
         <p15:guide id="1" orient="horz" pos="1740">
           <p15:clr>
             <a:srgbClr val="A4A3A4"/>
@@ -1971,42 +1972,42 @@
     </dgm:pt>
   </dgm:ptLst>
   <dgm:cxnLst>
-    <dgm:cxn modelId="{DA256B30-311B-5A47-9150-5C539197AD4B}" type="presOf" srcId="{BC40D7A6-5708-46D0-A5AE-82EB897DC620}" destId="{5861866A-7E8B-44A1-BDB7-9DEFB2FEEA81}" srcOrd="0" destOrd="0" presId="urn:microsoft.com/office/officeart/2005/8/layout/lProcess1"/>
+    <dgm:cxn modelId="{9E5AA0B2-27AB-43D4-9809-B5E3962C0451}" srcId="{EA47D124-71C2-4FFF-8504-E490B7325D4A}" destId="{01B58475-9477-49FC-A6A7-5EB0B7B48E9F}" srcOrd="3" destOrd="0" parTransId="{F6FBC8A1-F107-41F6-A638-170B99572557}" sibTransId="{81E2DD2A-785B-4F3C-BB43-AE8DBABCC442}"/>
+    <dgm:cxn modelId="{5BF9F47F-69B4-4C61-A19A-DA6BDEB22514}" srcId="{E60AE9EE-3475-44A8-9BB6-90FA14E2756F}" destId="{48F6DF92-99CB-4EBD-9818-797E5D4892A1}" srcOrd="0" destOrd="0" parTransId="{5FDABBB5-F120-48A4-AED4-6BFD175FC672}" sibTransId="{CBB64549-59EA-4F03-8CCC-7BBA10E4F3AD}"/>
     <dgm:cxn modelId="{35D07CA6-D8FB-8843-9D4E-83E145E791EF}" type="presOf" srcId="{292CEBCA-DC8D-49ED-81BF-962F1CA1D99E}" destId="{DC642B38-E912-471A-95D8-25BDD6DB0AE2}" srcOrd="0" destOrd="0" presId="urn:microsoft.com/office/officeart/2005/8/layout/lProcess1"/>
     <dgm:cxn modelId="{5EBC4500-EE6B-AA4A-B27A-161C06F3E6AF}" type="presOf" srcId="{DF08784C-8F1C-4FA8-99BE-74045ECF3295}" destId="{B10D4947-49E0-4688-995B-AF0E2B1A8680}" srcOrd="0" destOrd="0" presId="urn:microsoft.com/office/officeart/2005/8/layout/lProcess1"/>
-    <dgm:cxn modelId="{90F9CB17-9ADA-7847-89E7-1A1B4F24239F}" type="presOf" srcId="{77410304-20C7-46EF-9247-59BC8A62E5A5}" destId="{6A1B297B-C374-4E24-BA05-25853B67B06F}" srcOrd="0" destOrd="0" presId="urn:microsoft.com/office/officeart/2005/8/layout/lProcess1"/>
+    <dgm:cxn modelId="{EF98648C-A867-F444-91DD-5D5309B470FE}" type="presOf" srcId="{C4CC598A-3B43-4594-905B-443C507BB7B9}" destId="{3E49DF33-390C-4F07-BFD2-E967517018FE}" srcOrd="0" destOrd="0" presId="urn:microsoft.com/office/officeart/2005/8/layout/lProcess1"/>
+    <dgm:cxn modelId="{69CD1D97-E725-C146-A215-5D795682F95E}" type="presOf" srcId="{CBB64549-59EA-4F03-8CCC-7BBA10E4F3AD}" destId="{3688AE0C-EA55-4D5D-9A79-F71C289177BB}" srcOrd="0" destOrd="0" presId="urn:microsoft.com/office/officeart/2005/8/layout/lProcess1"/>
     <dgm:cxn modelId="{394AB97B-24B1-8E40-9813-A8AA97D4F597}" type="presOf" srcId="{8E2E0871-D0C6-4EFD-866B-65FAD64F0DEA}" destId="{86199F8E-5EC3-49D9-B260-52DC7315D7BC}" srcOrd="0" destOrd="0" presId="urn:microsoft.com/office/officeart/2005/8/layout/lProcess1"/>
-    <dgm:cxn modelId="{9E5AA0B2-27AB-43D4-9809-B5E3962C0451}" srcId="{EA47D124-71C2-4FFF-8504-E490B7325D4A}" destId="{01B58475-9477-49FC-A6A7-5EB0B7B48E9F}" srcOrd="3" destOrd="0" parTransId="{F6FBC8A1-F107-41F6-A638-170B99572557}" sibTransId="{81E2DD2A-785B-4F3C-BB43-AE8DBABCC442}"/>
-    <dgm:cxn modelId="{C2510726-957A-4336-B9C8-26ACC09413D8}" srcId="{EA47D124-71C2-4FFF-8504-E490B7325D4A}" destId="{AF7B11CD-41B6-4D4D-9EC4-8C0B79232C70}" srcOrd="1" destOrd="0" parTransId="{4FDAD213-081F-4171-9DE8-D253D89FE3C2}" sibTransId="{8623198A-5CBF-40F5-AAE0-8A5B181D5CA6}"/>
-    <dgm:cxn modelId="{12A75D80-C776-438D-9910-8E27AC0E45A2}" srcId="{46D4A12A-4F84-42E2-9FA7-7DA162BADF96}" destId="{6F4F4D9A-3CA0-48D8-A6B1-F8D8FD00ABF3}" srcOrd="1" destOrd="0" parTransId="{807733AB-EBFD-4F23-839D-FBEEECD22566}" sibTransId="{47EF62A5-6DDC-42FB-AEB2-7D45E534AC80}"/>
-    <dgm:cxn modelId="{0721D052-9C82-40BC-9EFE-74C72985C480}" srcId="{EA47D124-71C2-4FFF-8504-E490B7325D4A}" destId="{E60AE9EE-3475-44A8-9BB6-90FA14E2756F}" srcOrd="2" destOrd="0" parTransId="{701825FD-ACE9-4EA3-8E72-E263E7BBD4C1}" sibTransId="{620A0AD5-2552-4C52-BBC1-F35DE80684BC}"/>
-    <dgm:cxn modelId="{6E1E543A-DFA4-5541-992F-23C05C47B942}" type="presOf" srcId="{9E0E59F5-24F3-4296-B757-ED7F3AA40F8C}" destId="{C76B062E-5DF3-4E32-BDAD-2CEBCCE7D979}" srcOrd="0" destOrd="0" presId="urn:microsoft.com/office/officeart/2005/8/layout/lProcess1"/>
-    <dgm:cxn modelId="{3ABA4B48-4E66-45AB-8A75-86C4E9B56BBF}" srcId="{01B58475-9477-49FC-A6A7-5EB0B7B48E9F}" destId="{DF08784C-8F1C-4FA8-99BE-74045ECF3295}" srcOrd="0" destOrd="0" parTransId="{703EA67A-4D0E-433A-ACBC-19BC39B4B0F6}" sibTransId="{BC40D7A6-5708-46D0-A5AE-82EB897DC620}"/>
+    <dgm:cxn modelId="{A35D0543-CA80-A040-8D46-AB7B8B20ECE2}" type="presOf" srcId="{48F6DF92-99CB-4EBD-9818-797E5D4892A1}" destId="{7E2893E0-A746-47E8-9502-5838D43B372C}" srcOrd="0" destOrd="0" presId="urn:microsoft.com/office/officeart/2005/8/layout/lProcess1"/>
+    <dgm:cxn modelId="{1821ED31-3DE9-4AC3-A6C6-6C487D267CDC}" srcId="{AF7B11CD-41B6-4D4D-9EC4-8C0B79232C70}" destId="{3CA47669-EF0A-4384-9935-9398A901EA5D}" srcOrd="0" destOrd="0" parTransId="{7DE1C42D-C10E-4EA8-A7A7-7C4D129843CE}" sibTransId="{E0139427-249B-4788-BB36-2D238F25CBDC}"/>
+    <dgm:cxn modelId="{625F8DCA-03CC-7E4B-B757-A0FFCF108E8F}" type="presOf" srcId="{6F4F4D9A-3CA0-48D8-A6B1-F8D8FD00ABF3}" destId="{AD2DFFB7-34AE-4358-95C7-91E24621C3E3}" srcOrd="0" destOrd="0" presId="urn:microsoft.com/office/officeart/2005/8/layout/lProcess1"/>
     <dgm:cxn modelId="{D96231F3-1BEB-4306-9A6C-2426C8B7027A}" srcId="{46D4A12A-4F84-42E2-9FA7-7DA162BADF96}" destId="{292CEBCA-DC8D-49ED-81BF-962F1CA1D99E}" srcOrd="0" destOrd="0" parTransId="{1778028D-E71D-4F33-89E6-7D8B3CFEE5D0}" sibTransId="{D2784AC0-C982-45F7-9F40-BD0C23591BAC}"/>
-    <dgm:cxn modelId="{1821ED31-3DE9-4AC3-A6C6-6C487D267CDC}" srcId="{AF7B11CD-41B6-4D4D-9EC4-8C0B79232C70}" destId="{3CA47669-EF0A-4384-9935-9398A901EA5D}" srcOrd="0" destOrd="0" parTransId="{7DE1C42D-C10E-4EA8-A7A7-7C4D129843CE}" sibTransId="{E0139427-249B-4788-BB36-2D238F25CBDC}"/>
-    <dgm:cxn modelId="{5BF9F47F-69B4-4C61-A19A-DA6BDEB22514}" srcId="{E60AE9EE-3475-44A8-9BB6-90FA14E2756F}" destId="{48F6DF92-99CB-4EBD-9818-797E5D4892A1}" srcOrd="0" destOrd="0" parTransId="{5FDABBB5-F120-48A4-AED4-6BFD175FC672}" sibTransId="{CBB64549-59EA-4F03-8CCC-7BBA10E4F3AD}"/>
-    <dgm:cxn modelId="{EFAB13AB-3457-044D-B167-1E5F388C7731}" type="presOf" srcId="{01B58475-9477-49FC-A6A7-5EB0B7B48E9F}" destId="{43D9938C-18D9-4AB8-8D45-12EB4631129F}" srcOrd="0" destOrd="0" presId="urn:microsoft.com/office/officeart/2005/8/layout/lProcess1"/>
+    <dgm:cxn modelId="{E258EBD2-8613-4AE9-B1C6-E14A355FAFE5}" srcId="{E60AE9EE-3475-44A8-9BB6-90FA14E2756F}" destId="{9E0E59F5-24F3-4296-B757-ED7F3AA40F8C}" srcOrd="1" destOrd="0" parTransId="{3EEB6163-03F2-439E-BE0A-6C00C3283C21}" sibTransId="{CBA76FF9-D3C6-4D82-845F-0859BF7F82D4}"/>
+    <dgm:cxn modelId="{683B39C0-8AE5-0F41-83E0-AC90E4943129}" type="presOf" srcId="{E0139427-249B-4788-BB36-2D238F25CBDC}" destId="{3E1BFB80-F778-4571-8129-31E17ABC3CA3}" srcOrd="0" destOrd="0" presId="urn:microsoft.com/office/officeart/2005/8/layout/lProcess1"/>
     <dgm:cxn modelId="{2EBF7F5D-C100-7A43-A358-10E4C0E3CE69}" type="presOf" srcId="{D2784AC0-C982-45F7-9F40-BD0C23591BAC}" destId="{2A12DAA8-C276-4140-A361-CA6FD86C7E2C}" srcOrd="0" destOrd="0" presId="urn:microsoft.com/office/officeart/2005/8/layout/lProcess1"/>
-    <dgm:cxn modelId="{CB03347A-9A45-6246-819A-9714C74CFF27}" type="presOf" srcId="{EA47D124-71C2-4FFF-8504-E490B7325D4A}" destId="{22DFD678-2648-42CC-94CE-540A7BF9E6DF}" srcOrd="0" destOrd="0" presId="urn:microsoft.com/office/officeart/2005/8/layout/lProcess1"/>
-    <dgm:cxn modelId="{852F1E1A-1CA1-4790-A662-A94650FFDEBF}" srcId="{AF7B11CD-41B6-4D4D-9EC4-8C0B79232C70}" destId="{8E2E0871-D0C6-4EFD-866B-65FAD64F0DEA}" srcOrd="1" destOrd="0" parTransId="{07CA0DFC-4109-45B9-B394-38E09722B40E}" sibTransId="{77410304-20C7-46EF-9247-59BC8A62E5A5}"/>
-    <dgm:cxn modelId="{B2B97750-A4A4-49F1-B949-148BC5A22604}" srcId="{EA47D124-71C2-4FFF-8504-E490B7325D4A}" destId="{46D4A12A-4F84-42E2-9FA7-7DA162BADF96}" srcOrd="0" destOrd="0" parTransId="{35914DD2-610A-404F-AF67-3C7FDAF23D61}" sibTransId="{36BE09F2-7E58-4D4D-A0DD-3EDE250C43EA}"/>
-    <dgm:cxn modelId="{69CD1D97-E725-C146-A215-5D795682F95E}" type="presOf" srcId="{CBB64549-59EA-4F03-8CCC-7BBA10E4F3AD}" destId="{3688AE0C-EA55-4D5D-9A79-F71C289177BB}" srcOrd="0" destOrd="0" presId="urn:microsoft.com/office/officeart/2005/8/layout/lProcess1"/>
-    <dgm:cxn modelId="{683B39C0-8AE5-0F41-83E0-AC90E4943129}" type="presOf" srcId="{E0139427-249B-4788-BB36-2D238F25CBDC}" destId="{3E1BFB80-F778-4571-8129-31E17ABC3CA3}" srcOrd="0" destOrd="0" presId="urn:microsoft.com/office/officeart/2005/8/layout/lProcess1"/>
-    <dgm:cxn modelId="{F8FA46B2-5A46-5D45-92A1-275A5D8491CB}" type="presOf" srcId="{E60AE9EE-3475-44A8-9BB6-90FA14E2756F}" destId="{48D226FF-E211-4042-B638-5D15BC945A4A}" srcOrd="0" destOrd="0" presId="urn:microsoft.com/office/officeart/2005/8/layout/lProcess1"/>
+    <dgm:cxn modelId="{482A8CC9-475A-7740-9502-EDEB9CA8C9F0}" type="presOf" srcId="{AF7B11CD-41B6-4D4D-9EC4-8C0B79232C70}" destId="{8DAE8B59-DD63-43A1-96C9-5CF0ED244A3A}" srcOrd="0" destOrd="0" presId="urn:microsoft.com/office/officeart/2005/8/layout/lProcess1"/>
     <dgm:cxn modelId="{29097D25-D50D-CE48-9F74-A41C78649A1D}" type="presOf" srcId="{5FDABBB5-F120-48A4-AED4-6BFD175FC672}" destId="{16BDB1A3-600E-408B-8883-AD3875E34D52}" srcOrd="0" destOrd="0" presId="urn:microsoft.com/office/officeart/2005/8/layout/lProcess1"/>
-    <dgm:cxn modelId="{ABD2F2F6-CA0D-431E-A9D3-5E366440C0CB}" srcId="{AF7B11CD-41B6-4D4D-9EC4-8C0B79232C70}" destId="{C4CC598A-3B43-4594-905B-443C507BB7B9}" srcOrd="2" destOrd="0" parTransId="{7A3D1D98-4B9E-4311-A5C6-FBD418941C7A}" sibTransId="{50C879D9-4B07-4CAA-A4CB-381078217E54}"/>
-    <dgm:cxn modelId="{625F8DCA-03CC-7E4B-B757-A0FFCF108E8F}" type="presOf" srcId="{6F4F4D9A-3CA0-48D8-A6B1-F8D8FD00ABF3}" destId="{AD2DFFB7-34AE-4358-95C7-91E24621C3E3}" srcOrd="0" destOrd="0" presId="urn:microsoft.com/office/officeart/2005/8/layout/lProcess1"/>
-    <dgm:cxn modelId="{EF98648C-A867-F444-91DD-5D5309B470FE}" type="presOf" srcId="{C4CC598A-3B43-4594-905B-443C507BB7B9}" destId="{3E49DF33-390C-4F07-BFD2-E967517018FE}" srcOrd="0" destOrd="0" presId="urn:microsoft.com/office/officeart/2005/8/layout/lProcess1"/>
     <dgm:cxn modelId="{04A8C9A3-FBAD-44C4-B67C-DB6BA83144C5}" srcId="{01B58475-9477-49FC-A6A7-5EB0B7B48E9F}" destId="{F00A0ED1-E579-40F5-922F-593CEFE83C07}" srcOrd="1" destOrd="0" parTransId="{02E6AC48-9766-4192-B8C3-67019CA14200}" sibTransId="{02A31049-5DC7-4437-95BD-959C6DCAADA5}"/>
     <dgm:cxn modelId="{BC4E129D-A425-F141-993E-A1CA746E00AE}" type="presOf" srcId="{703EA67A-4D0E-433A-ACBC-19BC39B4B0F6}" destId="{3A89A53B-AB9A-4674-88C5-0A1CFE65BDD7}" srcOrd="0" destOrd="0" presId="urn:microsoft.com/office/officeart/2005/8/layout/lProcess1"/>
+    <dgm:cxn modelId="{90F9CB17-9ADA-7847-89E7-1A1B4F24239F}" type="presOf" srcId="{77410304-20C7-46EF-9247-59BC8A62E5A5}" destId="{6A1B297B-C374-4E24-BA05-25853B67B06F}" srcOrd="0" destOrd="0" presId="urn:microsoft.com/office/officeart/2005/8/layout/lProcess1"/>
+    <dgm:cxn modelId="{B2B97750-A4A4-49F1-B949-148BC5A22604}" srcId="{EA47D124-71C2-4FFF-8504-E490B7325D4A}" destId="{46D4A12A-4F84-42E2-9FA7-7DA162BADF96}" srcOrd="0" destOrd="0" parTransId="{35914DD2-610A-404F-AF67-3C7FDAF23D61}" sibTransId="{36BE09F2-7E58-4D4D-A0DD-3EDE250C43EA}"/>
+    <dgm:cxn modelId="{A532AA6D-F6A6-C54E-B989-8C53E32C54FF}" type="presOf" srcId="{46D4A12A-4F84-42E2-9FA7-7DA162BADF96}" destId="{0F2C40F7-3FE8-4ED9-9114-850D219AFE0D}" srcOrd="0" destOrd="0" presId="urn:microsoft.com/office/officeart/2005/8/layout/lProcess1"/>
+    <dgm:cxn modelId="{6E1E543A-DFA4-5541-992F-23C05C47B942}" type="presOf" srcId="{9E0E59F5-24F3-4296-B757-ED7F3AA40F8C}" destId="{C76B062E-5DF3-4E32-BDAD-2CEBCCE7D979}" srcOrd="0" destOrd="0" presId="urn:microsoft.com/office/officeart/2005/8/layout/lProcess1"/>
+    <dgm:cxn modelId="{F8FA46B2-5A46-5D45-92A1-275A5D8491CB}" type="presOf" srcId="{E60AE9EE-3475-44A8-9BB6-90FA14E2756F}" destId="{48D226FF-E211-4042-B638-5D15BC945A4A}" srcOrd="0" destOrd="0" presId="urn:microsoft.com/office/officeart/2005/8/layout/lProcess1"/>
+    <dgm:cxn modelId="{3ABA4B48-4E66-45AB-8A75-86C4E9B56BBF}" srcId="{01B58475-9477-49FC-A6A7-5EB0B7B48E9F}" destId="{DF08784C-8F1C-4FA8-99BE-74045ECF3295}" srcOrd="0" destOrd="0" parTransId="{703EA67A-4D0E-433A-ACBC-19BC39B4B0F6}" sibTransId="{BC40D7A6-5708-46D0-A5AE-82EB897DC620}"/>
+    <dgm:cxn modelId="{0721D052-9C82-40BC-9EFE-74C72985C480}" srcId="{EA47D124-71C2-4FFF-8504-E490B7325D4A}" destId="{E60AE9EE-3475-44A8-9BB6-90FA14E2756F}" srcOrd="2" destOrd="0" parTransId="{701825FD-ACE9-4EA3-8E72-E263E7BBD4C1}" sibTransId="{620A0AD5-2552-4C52-BBC1-F35DE80684BC}"/>
+    <dgm:cxn modelId="{ABD2F2F6-CA0D-431E-A9D3-5E366440C0CB}" srcId="{AF7B11CD-41B6-4D4D-9EC4-8C0B79232C70}" destId="{C4CC598A-3B43-4594-905B-443C507BB7B9}" srcOrd="2" destOrd="0" parTransId="{7A3D1D98-4B9E-4311-A5C6-FBD418941C7A}" sibTransId="{50C879D9-4B07-4CAA-A4CB-381078217E54}"/>
     <dgm:cxn modelId="{0B9B29C1-9142-3F4F-9718-5A4575092B9B}" type="presOf" srcId="{1778028D-E71D-4F33-89E6-7D8B3CFEE5D0}" destId="{2A8744E6-D877-45C6-A4A4-C05B8FD418FC}" srcOrd="0" destOrd="0" presId="urn:microsoft.com/office/officeart/2005/8/layout/lProcess1"/>
+    <dgm:cxn modelId="{0544DB61-AE3C-1341-BA09-54D4E4E53F19}" type="presOf" srcId="{F00A0ED1-E579-40F5-922F-593CEFE83C07}" destId="{2040F192-D352-4D94-B617-9C9F3EA4CD31}" srcOrd="0" destOrd="0" presId="urn:microsoft.com/office/officeart/2005/8/layout/lProcess1"/>
+    <dgm:cxn modelId="{852F1E1A-1CA1-4790-A662-A94650FFDEBF}" srcId="{AF7B11CD-41B6-4D4D-9EC4-8C0B79232C70}" destId="{8E2E0871-D0C6-4EFD-866B-65FAD64F0DEA}" srcOrd="1" destOrd="0" parTransId="{07CA0DFC-4109-45B9-B394-38E09722B40E}" sibTransId="{77410304-20C7-46EF-9247-59BC8A62E5A5}"/>
+    <dgm:cxn modelId="{DA256B30-311B-5A47-9150-5C539197AD4B}" type="presOf" srcId="{BC40D7A6-5708-46D0-A5AE-82EB897DC620}" destId="{5861866A-7E8B-44A1-BDB7-9DEFB2FEEA81}" srcOrd="0" destOrd="0" presId="urn:microsoft.com/office/officeart/2005/8/layout/lProcess1"/>
+    <dgm:cxn modelId="{EFAB13AB-3457-044D-B167-1E5F388C7731}" type="presOf" srcId="{01B58475-9477-49FC-A6A7-5EB0B7B48E9F}" destId="{43D9938C-18D9-4AB8-8D45-12EB4631129F}" srcOrd="0" destOrd="0" presId="urn:microsoft.com/office/officeart/2005/8/layout/lProcess1"/>
+    <dgm:cxn modelId="{CB03347A-9A45-6246-819A-9714C74CFF27}" type="presOf" srcId="{EA47D124-71C2-4FFF-8504-E490B7325D4A}" destId="{22DFD678-2648-42CC-94CE-540A7BF9E6DF}" srcOrd="0" destOrd="0" presId="urn:microsoft.com/office/officeart/2005/8/layout/lProcess1"/>
     <dgm:cxn modelId="{54271571-F209-DF46-9347-48329C6EB6DC}" type="presOf" srcId="{7DE1C42D-C10E-4EA8-A7A7-7C4D129843CE}" destId="{F4F45910-D7BD-4E00-89F4-36DA8DDE85C8}" srcOrd="0" destOrd="0" presId="urn:microsoft.com/office/officeart/2005/8/layout/lProcess1"/>
-    <dgm:cxn modelId="{A35D0543-CA80-A040-8D46-AB7B8B20ECE2}" type="presOf" srcId="{48F6DF92-99CB-4EBD-9818-797E5D4892A1}" destId="{7E2893E0-A746-47E8-9502-5838D43B372C}" srcOrd="0" destOrd="0" presId="urn:microsoft.com/office/officeart/2005/8/layout/lProcess1"/>
+    <dgm:cxn modelId="{12A75D80-C776-438D-9910-8E27AC0E45A2}" srcId="{46D4A12A-4F84-42E2-9FA7-7DA162BADF96}" destId="{6F4F4D9A-3CA0-48D8-A6B1-F8D8FD00ABF3}" srcOrd="1" destOrd="0" parTransId="{807733AB-EBFD-4F23-839D-FBEEECD22566}" sibTransId="{47EF62A5-6DDC-42FB-AEB2-7D45E534AC80}"/>
+    <dgm:cxn modelId="{C2510726-957A-4336-B9C8-26ACC09413D8}" srcId="{EA47D124-71C2-4FFF-8504-E490B7325D4A}" destId="{AF7B11CD-41B6-4D4D-9EC4-8C0B79232C70}" srcOrd="1" destOrd="0" parTransId="{4FDAD213-081F-4171-9DE8-D253D89FE3C2}" sibTransId="{8623198A-5CBF-40F5-AAE0-8A5B181D5CA6}"/>
     <dgm:cxn modelId="{B34CA536-3414-384C-992B-F82F17EBCD00}" type="presOf" srcId="{3CA47669-EF0A-4384-9935-9398A901EA5D}" destId="{D20DC0B4-0127-4A33-ABD8-BD717E2E669A}" srcOrd="0" destOrd="0" presId="urn:microsoft.com/office/officeart/2005/8/layout/lProcess1"/>
-    <dgm:cxn modelId="{482A8CC9-475A-7740-9502-EDEB9CA8C9F0}" type="presOf" srcId="{AF7B11CD-41B6-4D4D-9EC4-8C0B79232C70}" destId="{8DAE8B59-DD63-43A1-96C9-5CF0ED244A3A}" srcOrd="0" destOrd="0" presId="urn:microsoft.com/office/officeart/2005/8/layout/lProcess1"/>
-    <dgm:cxn modelId="{A532AA6D-F6A6-C54E-B989-8C53E32C54FF}" type="presOf" srcId="{46D4A12A-4F84-42E2-9FA7-7DA162BADF96}" destId="{0F2C40F7-3FE8-4ED9-9114-850D219AFE0D}" srcOrd="0" destOrd="0" presId="urn:microsoft.com/office/officeart/2005/8/layout/lProcess1"/>
-    <dgm:cxn modelId="{E258EBD2-8613-4AE9-B1C6-E14A355FAFE5}" srcId="{E60AE9EE-3475-44A8-9BB6-90FA14E2756F}" destId="{9E0E59F5-24F3-4296-B757-ED7F3AA40F8C}" srcOrd="1" destOrd="0" parTransId="{3EEB6163-03F2-439E-BE0A-6C00C3283C21}" sibTransId="{CBA76FF9-D3C6-4D82-845F-0859BF7F82D4}"/>
-    <dgm:cxn modelId="{0544DB61-AE3C-1341-BA09-54D4E4E53F19}" type="presOf" srcId="{F00A0ED1-E579-40F5-922F-593CEFE83C07}" destId="{2040F192-D352-4D94-B617-9C9F3EA4CD31}" srcOrd="0" destOrd="0" presId="urn:microsoft.com/office/officeart/2005/8/layout/lProcess1"/>
     <dgm:cxn modelId="{E58DFBE0-1599-734E-88E9-F3D1ADD41AE8}" type="presParOf" srcId="{22DFD678-2648-42CC-94CE-540A7BF9E6DF}" destId="{1CE40FF2-D647-4BF5-A911-D69504C91E07}" srcOrd="0" destOrd="0" presId="urn:microsoft.com/office/officeart/2005/8/layout/lProcess1"/>
     <dgm:cxn modelId="{258071A4-8736-D64C-BF7F-7484806A3049}" type="presParOf" srcId="{1CE40FF2-D647-4BF5-A911-D69504C91E07}" destId="{0F2C40F7-3FE8-4ED9-9114-850D219AFE0D}" srcOrd="0" destOrd="0" presId="urn:microsoft.com/office/officeart/2005/8/layout/lProcess1"/>
     <dgm:cxn modelId="{8E4592F2-C567-5246-A4E3-7BF5AC05575C}" type="presParOf" srcId="{1CE40FF2-D647-4BF5-A911-D69504C91E07}" destId="{2A8744E6-D877-45C6-A4A4-C05B8FD418FC}" srcOrd="1" destOrd="0" presId="urn:microsoft.com/office/officeart/2005/8/layout/lProcess1"/>
@@ -4841,7 +4842,7 @@
           <a:p>
             <a:fld id="{0F9B84EA-7D68-4D60-9CB1-D50884785D1C}" type="datetimeFigureOut">
               <a:rPr lang="zh-CN" altLang="en-US" smtClean="0"/>
-              <a:t>2019/9/6</a:t>
+              <a:t>2019/9/9</a:t>
             </a:fld>
             <a:endParaRPr lang="zh-CN" altLang="en-US"/>
           </a:p>
@@ -5006,7 +5007,7 @@
           <a:p>
             <a:fld id="{D2A48B96-639E-45A3-A0BA-2464DFDB1FAA}" type="datetimeFigureOut">
               <a:rPr lang="zh-CN" altLang="en-US" smtClean="0"/>
-              <a:t>2019/9/6</a:t>
+              <a:t>2019/9/9</a:t>
             </a:fld>
             <a:endParaRPr lang="zh-CN" altLang="en-US"/>
           </a:p>
@@ -5788,7 +5789,7 @@
                 <a:latin typeface="Calibri" panose="020F0502020204030204" pitchFamily="34" charset="0"/>
               </a:rPr>
               <a:pPr/>
-              <a:t>7</a:t>
+              <a:t>8</a:t>
             </a:fld>
             <a:endParaRPr lang="zh-CN" altLang="en-US" smtClean="0">
               <a:latin typeface="Calibri" panose="020F0502020204030204" pitchFamily="34" charset="0"/>
@@ -5933,7 +5934,7 @@
           <a:p>
             <a:fld id="{82F288E0-7875-42C4-84C8-98DBBD3BF4D2}" type="datetimeFigureOut">
               <a:rPr lang="zh-CN" altLang="en-US" smtClean="0"/>
-              <a:t>2019/9/6</a:t>
+              <a:t>2019/9/9</a:t>
             </a:fld>
             <a:endParaRPr lang="zh-CN" altLang="en-US"/>
           </a:p>
@@ -6073,7 +6074,7 @@
           <a:p>
             <a:fld id="{82F288E0-7875-42C4-84C8-98DBBD3BF4D2}" type="datetimeFigureOut">
               <a:rPr lang="zh-CN" altLang="en-US" smtClean="0"/>
-              <a:t>2019/9/6</a:t>
+              <a:t>2019/9/9</a:t>
             </a:fld>
             <a:endParaRPr lang="zh-CN" altLang="en-US"/>
           </a:p>
@@ -6178,7 +6179,7 @@
           <a:p>
             <a:fld id="{82F288E0-7875-42C4-84C8-98DBBD3BF4D2}" type="datetimeFigureOut">
               <a:rPr lang="zh-CN" altLang="en-US" smtClean="0"/>
-              <a:t>2019/9/6</a:t>
+              <a:t>2019/9/9</a:t>
             </a:fld>
             <a:endParaRPr lang="zh-CN" altLang="en-US"/>
           </a:p>
@@ -6441,7 +6442,7 @@
           <a:p>
             <a:fld id="{82F288E0-7875-42C4-84C8-98DBBD3BF4D2}" type="datetimeFigureOut">
               <a:rPr lang="zh-CN" altLang="en-US" smtClean="0"/>
-              <a:t>2019/9/6</a:t>
+              <a:t>2019/9/9</a:t>
             </a:fld>
             <a:endParaRPr lang="zh-CN" altLang="en-US"/>
           </a:p>
@@ -6631,7 +6632,7 @@
           <a:p>
             <a:fld id="{82F288E0-7875-42C4-84C8-98DBBD3BF4D2}" type="datetimeFigureOut">
               <a:rPr lang="zh-CN" altLang="en-US" smtClean="0"/>
-              <a:t>2019/9/6</a:t>
+              <a:t>2019/9/9</a:t>
             </a:fld>
             <a:endParaRPr lang="zh-CN" altLang="en-US"/>
           </a:p>
@@ -6793,7 +6794,7 @@
           <a:p>
             <a:fld id="{82F288E0-7875-42C4-84C8-98DBBD3BF4D2}" type="datetimeFigureOut">
               <a:rPr lang="zh-CN" altLang="en-US" smtClean="0"/>
-              <a:t>2019/9/6</a:t>
+              <a:t>2019/9/9</a:t>
             </a:fld>
             <a:endParaRPr lang="zh-CN" altLang="en-US" dirty="0"/>
           </a:p>
@@ -6980,7 +6981,7 @@
           <a:p>
             <a:fld id="{4F852873-A684-44DA-BDD7-501D6D4A981F}" type="datetimeFigureOut">
               <a:rPr lang="zh-CN" altLang="en-US" smtClean="0"/>
-              <a:t>2019/9/6</a:t>
+              <a:t>2019/9/9</a:t>
             </a:fld>
             <a:endParaRPr lang="zh-CN" altLang="en-US"/>
           </a:p>
@@ -7085,7 +7086,7 @@
           <a:p>
             <a:fld id="{4F852873-A684-44DA-BDD7-501D6D4A981F}" type="datetimeFigureOut">
               <a:rPr lang="zh-CN" altLang="en-US" smtClean="0"/>
-              <a:t>2019/9/6</a:t>
+              <a:t>2019/9/9</a:t>
             </a:fld>
             <a:endParaRPr lang="zh-CN" altLang="en-US"/>
           </a:p>
@@ -7292,7 +7293,7 @@
           <a:p>
             <a:fld id="{4F852873-A684-44DA-BDD7-501D6D4A981F}" type="datetimeFigureOut">
               <a:rPr lang="zh-CN" altLang="en-US" smtClean="0"/>
-              <a:t>2019/9/6</a:t>
+              <a:t>2019/9/9</a:t>
             </a:fld>
             <a:endParaRPr lang="zh-CN" altLang="en-US"/>
           </a:p>
@@ -7492,7 +7493,7 @@
           <a:p>
             <a:fld id="{4F852873-A684-44DA-BDD7-501D6D4A981F}" type="datetimeFigureOut">
               <a:rPr lang="zh-CN" altLang="en-US" smtClean="0"/>
-              <a:t>2019/9/6</a:t>
+              <a:t>2019/9/9</a:t>
             </a:fld>
             <a:endParaRPr lang="zh-CN" altLang="en-US"/>
           </a:p>
@@ -7692,7 +7693,7 @@
           <a:p>
             <a:fld id="{4F852873-A684-44DA-BDD7-501D6D4A981F}" type="datetimeFigureOut">
               <a:rPr lang="zh-CN" altLang="en-US" smtClean="0"/>
-              <a:t>2019/9/6</a:t>
+              <a:t>2019/9/9</a:t>
             </a:fld>
             <a:endParaRPr lang="zh-CN" altLang="en-US"/>
           </a:p>
@@ -8050,7 +8051,7 @@
           <a:p>
             <a:fld id="{82F288E0-7875-42C4-84C8-98DBBD3BF4D2}" type="datetimeFigureOut">
               <a:rPr lang="zh-CN" altLang="en-US" smtClean="0"/>
-              <a:t>2019/9/6</a:t>
+              <a:t>2019/9/9</a:t>
             </a:fld>
             <a:endParaRPr lang="zh-CN" altLang="en-US"/>
           </a:p>
@@ -8185,7 +8186,7 @@
           <a:p>
             <a:fld id="{4F852873-A684-44DA-BDD7-501D6D4A981F}" type="datetimeFigureOut">
               <a:rPr lang="zh-CN" altLang="en-US" smtClean="0"/>
-              <a:t>2019/9/6</a:t>
+              <a:t>2019/9/9</a:t>
             </a:fld>
             <a:endParaRPr lang="zh-CN" altLang="en-US"/>
           </a:p>
@@ -8290,7 +8291,7 @@
           <a:p>
             <a:fld id="{4F852873-A684-44DA-BDD7-501D6D4A981F}" type="datetimeFigureOut">
               <a:rPr lang="zh-CN" altLang="en-US" smtClean="0"/>
-              <a:t>2019/9/6</a:t>
+              <a:t>2019/9/9</a:t>
             </a:fld>
             <a:endParaRPr lang="zh-CN" altLang="en-US"/>
           </a:p>
@@ -8679,7 +8680,7 @@
           <a:p>
             <a:fld id="{4F852873-A684-44DA-BDD7-501D6D4A981F}" type="datetimeFigureOut">
               <a:rPr lang="zh-CN" altLang="en-US" smtClean="0"/>
-              <a:t>2019/9/6</a:t>
+              <a:t>2019/9/9</a:t>
             </a:fld>
             <a:endParaRPr lang="zh-CN" altLang="en-US"/>
           </a:p>
@@ -8949,7 +8950,7 @@
           <a:p>
             <a:fld id="{4F852873-A684-44DA-BDD7-501D6D4A981F}" type="datetimeFigureOut">
               <a:rPr lang="zh-CN" altLang="en-US" smtClean="0"/>
-              <a:t>2019/9/6</a:t>
+              <a:t>2019/9/9</a:t>
             </a:fld>
             <a:endParaRPr lang="zh-CN" altLang="en-US"/>
           </a:p>
@@ -9129,7 +9130,7 @@
           <a:p>
             <a:fld id="{4F852873-A684-44DA-BDD7-501D6D4A981F}" type="datetimeFigureOut">
               <a:rPr lang="zh-CN" altLang="en-US" smtClean="0"/>
-              <a:t>2019/9/6</a:t>
+              <a:t>2019/9/9</a:t>
             </a:fld>
             <a:endParaRPr lang="zh-CN" altLang="en-US"/>
           </a:p>
@@ -9319,7 +9320,7 @@
           <a:p>
             <a:fld id="{4F852873-A684-44DA-BDD7-501D6D4A981F}" type="datetimeFigureOut">
               <a:rPr lang="zh-CN" altLang="en-US" smtClean="0"/>
-              <a:t>2019/9/6</a:t>
+              <a:t>2019/9/9</a:t>
             </a:fld>
             <a:endParaRPr lang="zh-CN" altLang="en-US"/>
           </a:p>
@@ -9435,7 +9436,7 @@
             <a:fld id="{172A8F01-3667-4050-8443-2B37439C1501}" type="datetimeFigureOut">
               <a:rPr lang="zh-CN" altLang="en-US" smtClean="0"/>
               <a:pPr/>
-              <a:t>2019/9/6</a:t>
+              <a:t>2019/9/9</a:t>
             </a:fld>
             <a:endParaRPr lang="zh-CN" altLang="en-US"/>
           </a:p>
@@ -9649,7 +9650,7 @@
           <a:p>
             <a:fld id="{FFFE45BF-79CE-4165-9FC2-ED6905616ECE}" type="datetimeFigureOut">
               <a:rPr lang="zh-CN" altLang="en-US" smtClean="0"/>
-              <a:t>2019/9/6</a:t>
+              <a:t>2019/9/9</a:t>
             </a:fld>
             <a:endParaRPr lang="zh-CN" altLang="en-US"/>
           </a:p>
@@ -9839,7 +9840,7 @@
           <a:p>
             <a:fld id="{FFFE45BF-79CE-4165-9FC2-ED6905616ECE}" type="datetimeFigureOut">
               <a:rPr lang="zh-CN" altLang="en-US" smtClean="0"/>
-              <a:t>2019/9/6</a:t>
+              <a:t>2019/9/9</a:t>
             </a:fld>
             <a:endParaRPr lang="zh-CN" altLang="en-US"/>
           </a:p>
@@ -10095,7 +10096,7 @@
           <a:p>
             <a:fld id="{FFFE45BF-79CE-4165-9FC2-ED6905616ECE}" type="datetimeFigureOut">
               <a:rPr lang="zh-CN" altLang="en-US" smtClean="0"/>
-              <a:t>2019/9/6</a:t>
+              <a:t>2019/9/9</a:t>
             </a:fld>
             <a:endParaRPr lang="zh-CN" altLang="en-US"/>
           </a:p>
@@ -10285,7 +10286,7 @@
           <a:p>
             <a:fld id="{82F288E0-7875-42C4-84C8-98DBBD3BF4D2}" type="datetimeFigureOut">
               <a:rPr lang="zh-CN" altLang="en-US" smtClean="0"/>
-              <a:t>2019/9/6</a:t>
+              <a:t>2019/9/9</a:t>
             </a:fld>
             <a:endParaRPr lang="zh-CN" altLang="en-US"/>
           </a:p>
@@ -10539,7 +10540,7 @@
           <a:p>
             <a:fld id="{FFFE45BF-79CE-4165-9FC2-ED6905616ECE}" type="datetimeFigureOut">
               <a:rPr lang="zh-CN" altLang="en-US" smtClean="0"/>
-              <a:t>2019/9/6</a:t>
+              <a:t>2019/9/9</a:t>
             </a:fld>
             <a:endParaRPr lang="zh-CN" altLang="en-US"/>
           </a:p>
@@ -10916,7 +10917,7 @@
           <a:p>
             <a:fld id="{FFFE45BF-79CE-4165-9FC2-ED6905616ECE}" type="datetimeFigureOut">
               <a:rPr lang="zh-CN" altLang="en-US" smtClean="0"/>
-              <a:t>2019/9/6</a:t>
+              <a:t>2019/9/9</a:t>
             </a:fld>
             <a:endParaRPr lang="zh-CN" altLang="en-US"/>
           </a:p>
@@ -11049,7 +11050,7 @@
           <a:p>
             <a:fld id="{FFFE45BF-79CE-4165-9FC2-ED6905616ECE}" type="datetimeFigureOut">
               <a:rPr lang="zh-CN" altLang="en-US" smtClean="0"/>
-              <a:t>2019/9/6</a:t>
+              <a:t>2019/9/9</a:t>
             </a:fld>
             <a:endParaRPr lang="zh-CN" altLang="en-US"/>
           </a:p>
@@ -11154,7 +11155,7 @@
           <a:p>
             <a:fld id="{FFFE45BF-79CE-4165-9FC2-ED6905616ECE}" type="datetimeFigureOut">
               <a:rPr lang="zh-CN" altLang="en-US" smtClean="0"/>
-              <a:t>2019/9/6</a:t>
+              <a:t>2019/9/9</a:t>
             </a:fld>
             <a:endParaRPr lang="zh-CN" altLang="en-US"/>
           </a:p>
@@ -11441,7 +11442,7 @@
           <a:p>
             <a:fld id="{FFFE45BF-79CE-4165-9FC2-ED6905616ECE}" type="datetimeFigureOut">
               <a:rPr lang="zh-CN" altLang="en-US" smtClean="0"/>
-              <a:t>2019/9/6</a:t>
+              <a:t>2019/9/9</a:t>
             </a:fld>
             <a:endParaRPr lang="zh-CN" altLang="en-US"/>
           </a:p>
@@ -11704,7 +11705,7 @@
           <a:p>
             <a:fld id="{FFFE45BF-79CE-4165-9FC2-ED6905616ECE}" type="datetimeFigureOut">
               <a:rPr lang="zh-CN" altLang="en-US" smtClean="0"/>
-              <a:t>2019/9/6</a:t>
+              <a:t>2019/9/9</a:t>
             </a:fld>
             <a:endParaRPr lang="zh-CN" altLang="en-US"/>
           </a:p>
@@ -11894,7 +11895,7 @@
           <a:p>
             <a:fld id="{FFFE45BF-79CE-4165-9FC2-ED6905616ECE}" type="datetimeFigureOut">
               <a:rPr lang="zh-CN" altLang="en-US" smtClean="0"/>
-              <a:t>2019/9/6</a:t>
+              <a:t>2019/9/9</a:t>
             </a:fld>
             <a:endParaRPr lang="zh-CN" altLang="en-US"/>
           </a:p>
@@ -12084,7 +12085,7 @@
           <a:p>
             <a:fld id="{FFFE45BF-79CE-4165-9FC2-ED6905616ECE}" type="datetimeFigureOut">
               <a:rPr lang="zh-CN" altLang="en-US" smtClean="0"/>
-              <a:t>2019/9/6</a:t>
+              <a:t>2019/9/9</a:t>
             </a:fld>
             <a:endParaRPr lang="zh-CN" altLang="en-US"/>
           </a:p>
@@ -12246,7 +12247,7 @@
           <a:p>
             <a:fld id="{82F288E0-7875-42C4-84C8-98DBBD3BF4D2}" type="datetimeFigureOut">
               <a:rPr lang="zh-CN" altLang="en-US" smtClean="0"/>
-              <a:t>2019/9/6</a:t>
+              <a:t>2019/9/9</a:t>
             </a:fld>
             <a:endParaRPr lang="zh-CN" altLang="en-US"/>
           </a:p>
@@ -12448,7 +12449,7 @@
           <a:p>
             <a:fld id="{82F288E0-7875-42C4-84C8-98DBBD3BF4D2}" type="datetimeFigureOut">
               <a:rPr lang="zh-CN" altLang="en-US" smtClean="0"/>
-              <a:t>2019/9/6</a:t>
+              <a:t>2019/9/9</a:t>
             </a:fld>
             <a:endParaRPr lang="zh-CN" altLang="en-US"/>
           </a:p>
@@ -12645,7 +12646,7 @@
           <a:p>
             <a:fld id="{82F288E0-7875-42C4-84C8-98DBBD3BF4D2}" type="datetimeFigureOut">
               <a:rPr lang="zh-CN" altLang="en-US" smtClean="0"/>
-              <a:t>2019/9/6</a:t>
+              <a:t>2019/9/9</a:t>
             </a:fld>
             <a:endParaRPr lang="zh-CN" altLang="en-US"/>
           </a:p>
@@ -12901,7 +12902,7 @@
           <a:p>
             <a:fld id="{82F288E0-7875-42C4-84C8-98DBBD3BF4D2}" type="datetimeFigureOut">
               <a:rPr lang="zh-CN" altLang="en-US" smtClean="0"/>
-              <a:t>2019/9/6</a:t>
+              <a:t>2019/9/9</a:t>
             </a:fld>
             <a:endParaRPr lang="zh-CN" altLang="en-US"/>
           </a:p>
@@ -13148,7 +13149,7 @@
           <a:p>
             <a:fld id="{82F288E0-7875-42C4-84C8-98DBBD3BF4D2}" type="datetimeFigureOut">
               <a:rPr lang="zh-CN" altLang="en-US" smtClean="0"/>
-              <a:t>2019/9/6</a:t>
+              <a:t>2019/9/9</a:t>
             </a:fld>
             <a:endParaRPr lang="zh-CN" altLang="en-US"/>
           </a:p>
@@ -13525,7 +13526,7 @@
           <a:p>
             <a:fld id="{82F288E0-7875-42C4-84C8-98DBBD3BF4D2}" type="datetimeFigureOut">
               <a:rPr lang="zh-CN" altLang="en-US" smtClean="0"/>
-              <a:t>2019/9/6</a:t>
+              <a:t>2019/9/9</a:t>
             </a:fld>
             <a:endParaRPr lang="zh-CN" altLang="en-US"/>
           </a:p>
@@ -16256,7 +16257,7 @@
                     <a:p>
                       <a:pPr algn="l" fontAlgn="b"/>
                       <a:r>
-                        <a:rPr lang="zh-CN" altLang="en-US" sz="1600" b="0" i="0" u="none" strike="noStrike">
+                        <a:rPr lang="zh-CN" altLang="en-US" sz="1600" b="0" i="0" u="none" strike="noStrike" dirty="0">
                           <a:solidFill>
                             <a:srgbClr val="000000"/>
                           </a:solidFill>
@@ -16309,7 +16310,7 @@
                     <a:p>
                       <a:pPr algn="l" fontAlgn="b"/>
                       <a:r>
-                        <a:rPr lang="zh-CN" altLang="en-US" sz="1600" b="0" i="0" u="none" strike="noStrike">
+                        <a:rPr lang="zh-CN" altLang="en-US" sz="1600" b="0" i="0" u="none" strike="noStrike" dirty="0">
                           <a:solidFill>
                             <a:srgbClr val="000000"/>
                           </a:solidFill>
@@ -16668,27 +16669,6 @@
               </a:spcBef>
               <a:defRPr/>
             </a:pPr>
-            <a:r>
-              <a:rPr lang="en-US" altLang="en-US" sz="1200" b="1" dirty="0" smtClean="0">
-                <a:latin typeface="微软雅黑" pitchFamily="34" charset="-122"/>
-                <a:ea typeface="微软雅黑" pitchFamily="34" charset="-122"/>
-              </a:rPr>
-              <a:t>(</a:t>
-            </a:r>
-            <a:r>
-              <a:rPr lang="zh-CN" altLang="en-US" sz="1200" b="1" dirty="0" smtClean="0">
-                <a:latin typeface="微软雅黑" pitchFamily="34" charset="-122"/>
-                <a:ea typeface="微软雅黑" pitchFamily="34" charset="-122"/>
-              </a:rPr>
-              <a:t>围绕转正目标以及本月工作内容说明工作成果及不足</a:t>
-            </a:r>
-            <a:r>
-              <a:rPr lang="en-US" altLang="en-US" sz="1200" b="1" dirty="0" smtClean="0">
-                <a:latin typeface="微软雅黑" pitchFamily="34" charset="-122"/>
-                <a:ea typeface="微软雅黑" pitchFamily="34" charset="-122"/>
-              </a:rPr>
-              <a:t>)</a:t>
-            </a:r>
             <a:endParaRPr lang="en-US" altLang="zh-CN" sz="1200" b="1" dirty="0" smtClean="0">
               <a:solidFill>
                 <a:srgbClr val="68B92E"/>
@@ -17090,7 +17070,7 @@
               <a:defRPr/>
             </a:pPr>
             <a:r>
-              <a:rPr lang="zh-CN" altLang="en-US" sz="2800" b="1" dirty="0" smtClean="0">
+              <a:rPr lang="zh-CN" altLang="en-US" sz="2800" b="1" dirty="0">
                 <a:solidFill>
                   <a:srgbClr val="68B92E"/>
                 </a:solidFill>
@@ -17098,9 +17078,9 @@
                 <a:ea typeface="微软雅黑" pitchFamily="34" charset="-122"/>
                 <a:cs typeface="+mj-cs"/>
               </a:rPr>
-              <a:t>下月工作计划</a:t>
-            </a:r>
-            <a:endParaRPr lang="en-US" altLang="zh-CN" sz="2800" b="1" dirty="0" smtClean="0">
+              <a:t>不足之处</a:t>
+            </a:r>
+            <a:endParaRPr lang="en-US" altLang="zh-CN" sz="2800" b="1" dirty="0">
               <a:solidFill>
                 <a:srgbClr val="68B92E"/>
               </a:solidFill>
@@ -17113,14 +17093,14 @@
       </p:sp>
       <p:sp>
         <p:nvSpPr>
-          <p:cNvPr id="3" name="文本框 2"/>
+          <p:cNvPr id="3" name="文本框 3"/>
           <p:cNvSpPr txBox="1"/>
           <p:nvPr/>
         </p:nvSpPr>
         <p:spPr>
           <a:xfrm>
-            <a:off x="478331" y="1428742"/>
-            <a:ext cx="8260424" cy="2308324"/>
+            <a:off x="285752" y="1600200"/>
+            <a:ext cx="8384719" cy="1200329"/>
           </a:xfrm>
           <a:prstGeom prst="rect">
             <a:avLst/>
@@ -17140,68 +17120,28 @@
             </a:pPr>
             <a:r>
               <a:rPr lang="en-US" altLang="zh-CN" dirty="0" smtClean="0"/>
-              <a:t>1.</a:t>
+              <a:t>	</a:t>
+            </a:r>
+            <a:r>
+              <a:rPr lang="zh-CN" altLang="en-US" dirty="0"/>
+              <a:t>对照培养计划的要求一条条往下学习，遇到问题时不喜欢求助别人，总想着自己去研究解决</a:t>
             </a:r>
             <a:r>
               <a:rPr lang="zh-CN" altLang="en-US" dirty="0" smtClean="0"/>
-              <a:t>参加新员工第二期培训。</a:t>
-            </a:r>
-            <a:endParaRPr lang="en-US" altLang="zh-CN" dirty="0" smtClean="0"/>
-          </a:p>
-          <a:p>
-            <a:pPr>
-              <a:lnSpc>
-                <a:spcPct val="200000"/>
-              </a:lnSpc>
-            </a:pPr>
-            <a:r>
-              <a:rPr lang="en-US" altLang="zh-CN" dirty="0" smtClean="0"/>
-              <a:t>2.</a:t>
-            </a:r>
-            <a:r>
-              <a:rPr lang="zh-CN" altLang="en-US" dirty="0" smtClean="0"/>
-              <a:t>完成培养计划第三阶段任务，总结学习报告。</a:t>
-            </a:r>
-            <a:endParaRPr lang="en-US" altLang="zh-CN" dirty="0" smtClean="0"/>
-          </a:p>
-          <a:p>
-            <a:pPr>
-              <a:lnSpc>
-                <a:spcPct val="200000"/>
-              </a:lnSpc>
-            </a:pPr>
-            <a:r>
-              <a:rPr lang="en-US" altLang="zh-CN" dirty="0" smtClean="0"/>
-              <a:t>3.</a:t>
-            </a:r>
-            <a:r>
-              <a:rPr lang="zh-CN" altLang="en-US" dirty="0" smtClean="0"/>
-              <a:t>培养计划第四阶段任务，平台架构学习。</a:t>
-            </a:r>
-            <a:endParaRPr lang="en-US" altLang="zh-CN" dirty="0" smtClean="0"/>
-          </a:p>
-          <a:p>
-            <a:pPr>
-              <a:lnSpc>
-                <a:spcPct val="200000"/>
-              </a:lnSpc>
-            </a:pPr>
-            <a:r>
-              <a:rPr lang="en-US" altLang="zh-CN" dirty="0" smtClean="0"/>
-              <a:t>4.</a:t>
-            </a:r>
-            <a:r>
-              <a:rPr lang="zh-CN" altLang="en-US" dirty="0" smtClean="0"/>
-              <a:t>开始培养计划第五阶段，功能模块学习和调试。</a:t>
-            </a:r>
-            <a:endParaRPr lang="zh-CN" altLang="en-US" dirty="0"/>
+              <a:t>。因此导致</a:t>
+            </a:r>
+            <a:r>
+              <a:rPr lang="zh-CN" altLang="en-US" dirty="0"/>
+              <a:t>效率低下，而且存在遗留问题。</a:t>
+            </a:r>
+            <a:endParaRPr lang="en-US" altLang="zh-CN" dirty="0"/>
           </a:p>
         </p:txBody>
       </p:sp>
     </p:spTree>
     <p:extLst>
       <p:ext uri="{BB962C8B-B14F-4D97-AF65-F5344CB8AC3E}">
-        <p14:creationId xmlns:p14="http://schemas.microsoft.com/office/powerpoint/2010/main" val="1358331711"/>
+        <p14:creationId xmlns:p14="http://schemas.microsoft.com/office/powerpoint/2010/main" val="2429966241"/>
       </p:ext>
     </p:extLst>
   </p:cSld>
@@ -17237,6 +17177,181 @@
       </p:grpSpPr>
       <p:sp>
         <p:nvSpPr>
+          <p:cNvPr id="2" name="标题 1"/>
+          <p:cNvSpPr txBox="1">
+            <a:spLocks/>
+          </p:cNvSpPr>
+          <p:nvPr/>
+        </p:nvSpPr>
+        <p:spPr>
+          <a:xfrm>
+            <a:off x="285752" y="571486"/>
+            <a:ext cx="8215338" cy="857256"/>
+          </a:xfrm>
+          <a:prstGeom prst="rect">
+            <a:avLst/>
+          </a:prstGeom>
+        </p:spPr>
+        <p:txBody>
+          <a:bodyPr>
+            <a:noAutofit/>
+          </a:bodyPr>
+          <a:lstStyle/>
+          <a:p>
+            <a:pPr>
+              <a:spcBef>
+                <a:spcPct val="0"/>
+              </a:spcBef>
+              <a:defRPr/>
+            </a:pPr>
+            <a:r>
+              <a:rPr lang="zh-CN" altLang="en-US" sz="2800" b="1" dirty="0" smtClean="0">
+                <a:solidFill>
+                  <a:srgbClr val="68B92E"/>
+                </a:solidFill>
+                <a:latin typeface="微软雅黑" pitchFamily="34" charset="-122"/>
+                <a:ea typeface="微软雅黑" pitchFamily="34" charset="-122"/>
+                <a:cs typeface="+mj-cs"/>
+              </a:rPr>
+              <a:t>下月工作计划</a:t>
+            </a:r>
+            <a:endParaRPr lang="en-US" altLang="zh-CN" sz="2800" b="1" dirty="0" smtClean="0">
+              <a:solidFill>
+                <a:srgbClr val="68B92E"/>
+              </a:solidFill>
+              <a:latin typeface="微软雅黑" pitchFamily="34" charset="-122"/>
+              <a:ea typeface="微软雅黑" pitchFamily="34" charset="-122"/>
+              <a:cs typeface="+mj-cs"/>
+            </a:endParaRPr>
+          </a:p>
+        </p:txBody>
+      </p:sp>
+      <p:sp>
+        <p:nvSpPr>
+          <p:cNvPr id="3" name="文本框 2"/>
+          <p:cNvSpPr txBox="1"/>
+          <p:nvPr/>
+        </p:nvSpPr>
+        <p:spPr>
+          <a:xfrm>
+            <a:off x="478331" y="1428742"/>
+            <a:ext cx="8260424" cy="2308324"/>
+          </a:xfrm>
+          <a:prstGeom prst="rect">
+            <a:avLst/>
+          </a:prstGeom>
+          <a:noFill/>
+        </p:spPr>
+        <p:txBody>
+          <a:bodyPr wrap="square" rtlCol="0">
+            <a:spAutoFit/>
+          </a:bodyPr>
+          <a:lstStyle/>
+          <a:p>
+            <a:pPr>
+              <a:lnSpc>
+                <a:spcPct val="200000"/>
+              </a:lnSpc>
+            </a:pPr>
+            <a:r>
+              <a:rPr lang="en-US" altLang="zh-CN" dirty="0" smtClean="0"/>
+              <a:t>1.</a:t>
+            </a:r>
+            <a:r>
+              <a:rPr lang="zh-CN" altLang="en-US" dirty="0" smtClean="0"/>
+              <a:t>参加新员工第二期培训。</a:t>
+            </a:r>
+            <a:endParaRPr lang="en-US" altLang="zh-CN" dirty="0" smtClean="0"/>
+          </a:p>
+          <a:p>
+            <a:pPr>
+              <a:lnSpc>
+                <a:spcPct val="200000"/>
+              </a:lnSpc>
+            </a:pPr>
+            <a:r>
+              <a:rPr lang="en-US" altLang="zh-CN" dirty="0" smtClean="0"/>
+              <a:t>2.</a:t>
+            </a:r>
+            <a:r>
+              <a:rPr lang="zh-CN" altLang="en-US" dirty="0" smtClean="0"/>
+              <a:t>完成培养计划第三阶段任务，总结学习报告。</a:t>
+            </a:r>
+            <a:endParaRPr lang="en-US" altLang="zh-CN" dirty="0" smtClean="0"/>
+          </a:p>
+          <a:p>
+            <a:pPr>
+              <a:lnSpc>
+                <a:spcPct val="200000"/>
+              </a:lnSpc>
+            </a:pPr>
+            <a:r>
+              <a:rPr lang="en-US" altLang="zh-CN" dirty="0" smtClean="0"/>
+              <a:t>3.</a:t>
+            </a:r>
+            <a:r>
+              <a:rPr lang="zh-CN" altLang="en-US" dirty="0" smtClean="0"/>
+              <a:t>完成培养计划第四阶段任务，平台架构学习。</a:t>
+            </a:r>
+            <a:endParaRPr lang="en-US" altLang="zh-CN" dirty="0" smtClean="0"/>
+          </a:p>
+          <a:p>
+            <a:pPr>
+              <a:lnSpc>
+                <a:spcPct val="200000"/>
+              </a:lnSpc>
+            </a:pPr>
+            <a:r>
+              <a:rPr lang="en-US" altLang="zh-CN" dirty="0" smtClean="0"/>
+              <a:t>4.</a:t>
+            </a:r>
+            <a:r>
+              <a:rPr lang="zh-CN" altLang="en-US" dirty="0" smtClean="0"/>
+              <a:t>开始培养计划第五阶段，功能模块学习和调试。</a:t>
+            </a:r>
+            <a:endParaRPr lang="zh-CN" altLang="en-US" dirty="0"/>
+          </a:p>
+        </p:txBody>
+      </p:sp>
+    </p:spTree>
+    <p:extLst>
+      <p:ext uri="{BB962C8B-B14F-4D97-AF65-F5344CB8AC3E}">
+        <p14:creationId xmlns:p14="http://schemas.microsoft.com/office/powerpoint/2010/main" val="1358331711"/>
+      </p:ext>
+    </p:extLst>
+  </p:cSld>
+  <p:clrMapOvr>
+    <a:masterClrMapping/>
+  </p:clrMapOvr>
+  <p:timing>
+    <p:tnLst>
+      <p:par>
+        <p:cTn id="1" dur="indefinite" restart="never" nodeType="tmRoot"/>
+      </p:par>
+    </p:tnLst>
+  </p:timing>
+</p:sld>
+</file>
+
+<file path=ppt/slides/slide8.xml><?xml version="1.0" encoding="utf-8"?>
+<p:sld xmlns:a="http://schemas.openxmlformats.org/drawingml/2006/main" xmlns:r="http://schemas.openxmlformats.org/officeDocument/2006/relationships" xmlns:p="http://schemas.openxmlformats.org/presentationml/2006/main">
+  <p:cSld>
+    <p:spTree>
+      <p:nvGrpSpPr>
+        <p:cNvPr id="1" name=""/>
+        <p:cNvGrpSpPr/>
+        <p:nvPr/>
+      </p:nvGrpSpPr>
+      <p:grpSpPr>
+        <a:xfrm>
+          <a:off x="0" y="0"/>
+          <a:ext cx="0" cy="0"/>
+          <a:chOff x="0" y="0"/>
+          <a:chExt cx="0" cy="0"/>
+        </a:xfrm>
+      </p:grpSpPr>
+      <p:sp>
+        <p:nvSpPr>
           <p:cNvPr id="5" name="标题 1"/>
           <p:cNvSpPr txBox="1">
             <a:spLocks/>
@@ -17355,7 +17470,7 @@
 </p:sld>
 </file>
 
-<file path=ppt/slides/slide8.xml><?xml version="1.0" encoding="utf-8"?>
+<file path=ppt/slides/slide9.xml><?xml version="1.0" encoding="utf-8"?>
 <p:sld xmlns:a="http://schemas.openxmlformats.org/drawingml/2006/main" xmlns:r="http://schemas.openxmlformats.org/officeDocument/2006/relationships" xmlns:p="http://schemas.openxmlformats.org/presentationml/2006/main">
   <p:cSld>
     <p:spTree>
@@ -17681,7 +17796,7 @@
   <a:extraClrSchemeLst/>
   <a:extLst>
     <a:ext uri="{05A4C25C-085E-4340-85A3-A5531E510DB2}">
-      <thm15:themeFamily xmlns="" xmlns:thm15="http://schemas.microsoft.com/office/thememl/2012/main" name="Office Theme" id="{62F939B6-93AF-4DB8-9C6B-D6C7DFDC589F}" vid="{4A3C46E8-61CC-4603-A589-7422A47A8E4A}"/>
+      <thm15:themeFamily xmlns:thm15="http://schemas.microsoft.com/office/thememl/2012/main" xmlns="" name="Office Theme" id="{62F939B6-93AF-4DB8-9C6B-D6C7DFDC589F}" vid="{4A3C46E8-61CC-4603-A589-7422A47A8E4A}"/>
     </a:ext>
   </a:extLst>
 </a:theme>
@@ -17942,7 +18057,7 @@
   <a:extraClrSchemeLst/>
   <a:extLst>
     <a:ext uri="{05A4C25C-085E-4340-85A3-A5531E510DB2}">
-      <thm15:themeFamily xmlns="" xmlns:thm15="http://schemas.microsoft.com/office/thememl/2012/main" name="Office Theme" id="{62F939B6-93AF-4DB8-9C6B-D6C7DFDC589F}" vid="{4A3C46E8-61CC-4603-A589-7422A47A8E4A}"/>
+      <thm15:themeFamily xmlns:thm15="http://schemas.microsoft.com/office/thememl/2012/main" xmlns="" name="Office Theme" id="{62F939B6-93AF-4DB8-9C6B-D6C7DFDC589F}" vid="{4A3C46E8-61CC-4603-A589-7422A47A8E4A}"/>
     </a:ext>
   </a:extLst>
 </a:theme>
@@ -18203,7 +18318,7 @@
   <a:extraClrSchemeLst/>
   <a:extLst>
     <a:ext uri="{05A4C25C-085E-4340-85A3-A5531E510DB2}">
-      <thm15:themeFamily xmlns="" xmlns:thm15="http://schemas.microsoft.com/office/thememl/2012/main" name="Office Theme" id="{62F939B6-93AF-4DB8-9C6B-D6C7DFDC589F}" vid="{4A3C46E8-61CC-4603-A589-7422A47A8E4A}"/>
+      <thm15:themeFamily xmlns:thm15="http://schemas.microsoft.com/office/thememl/2012/main" xmlns="" name="Office Theme" id="{62F939B6-93AF-4DB8-9C6B-D6C7DFDC589F}" vid="{4A3C46E8-61CC-4603-A589-7422A47A8E4A}"/>
     </a:ext>
   </a:extLst>
 </a:theme>
@@ -18464,7 +18579,7 @@
   <a:extraClrSchemeLst/>
   <a:extLst>
     <a:ext uri="{05A4C25C-085E-4340-85A3-A5531E510DB2}">
-      <thm15:themeFamily xmlns="" xmlns:thm15="http://schemas.microsoft.com/office/thememl/2012/main" name="Office Theme" id="{62F939B6-93AF-4DB8-9C6B-D6C7DFDC589F}" vid="{4A3C46E8-61CC-4603-A589-7422A47A8E4A}"/>
+      <thm15:themeFamily xmlns:thm15="http://schemas.microsoft.com/office/thememl/2012/main" xmlns="" name="Office Theme" id="{62F939B6-93AF-4DB8-9C6B-D6C7DFDC589F}" vid="{4A3C46E8-61CC-4603-A589-7422A47A8E4A}"/>
     </a:ext>
   </a:extLst>
 </a:theme>
@@ -18725,7 +18840,7 @@
   <a:extraClrSchemeLst/>
   <a:extLst>
     <a:ext uri="{05A4C25C-085E-4340-85A3-A5531E510DB2}">
-      <thm15:themeFamily xmlns="" xmlns:thm15="http://schemas.microsoft.com/office/thememl/2012/main" name="Office Theme" id="{62F939B6-93AF-4DB8-9C6B-D6C7DFDC589F}" vid="{4A3C46E8-61CC-4603-A589-7422A47A8E4A}"/>
+      <thm15:themeFamily xmlns:thm15="http://schemas.microsoft.com/office/thememl/2012/main" xmlns="" name="Office Theme" id="{62F939B6-93AF-4DB8-9C6B-D6C7DFDC589F}" vid="{4A3C46E8-61CC-4603-A589-7422A47A8E4A}"/>
     </a:ext>
   </a:extLst>
 </a:theme>
@@ -18986,7 +19101,7 @@
   <a:extraClrSchemeLst/>
   <a:extLst>
     <a:ext uri="{05A4C25C-085E-4340-85A3-A5531E510DB2}">
-      <thm15:themeFamily xmlns="" xmlns:thm15="http://schemas.microsoft.com/office/thememl/2012/main" name="Office Theme" id="{62F939B6-93AF-4DB8-9C6B-D6C7DFDC589F}" vid="{4A3C46E8-61CC-4603-A589-7422A47A8E4A}"/>
+      <thm15:themeFamily xmlns:thm15="http://schemas.microsoft.com/office/thememl/2012/main" xmlns="" name="Office Theme" id="{62F939B6-93AF-4DB8-9C6B-D6C7DFDC589F}" vid="{4A3C46E8-61CC-4603-A589-7422A47A8E4A}"/>
     </a:ext>
   </a:extLst>
 </a:theme>
